--- a/make_png.pptx
+++ b/make_png.pptx
@@ -8,6 +8,7 @@
     <p:sldId id="256" r:id="rId2"/>
     <p:sldId id="258" r:id="rId3"/>
     <p:sldId id="257" r:id="rId4"/>
+    <p:sldId id="259" r:id="rId5"/>
   </p:sldIdLst>
   <p:sldSz cx="5761038" cy="5761038"/>
   <p:notesSz cx="6858000" cy="9144000"/>
@@ -291,7 +292,7 @@
             <a:fld id="{B431DB3D-C2BB-4DBE-9C63-7A3084D9948D}" type="datetimeFigureOut">
               <a:rPr lang="ko-KR" altLang="en-US" smtClean="0"/>
               <a:pPr/>
-              <a:t>2020-08-06</a:t>
+              <a:t>2020-08-10</a:t>
             </a:fld>
             <a:endParaRPr lang="ko-KR" altLang="en-US"/>
           </a:p>
@@ -458,7 +459,7 @@
             <a:fld id="{B431DB3D-C2BB-4DBE-9C63-7A3084D9948D}" type="datetimeFigureOut">
               <a:rPr lang="ko-KR" altLang="en-US" smtClean="0"/>
               <a:pPr/>
-              <a:t>2020-08-06</a:t>
+              <a:t>2020-08-10</a:t>
             </a:fld>
             <a:endParaRPr lang="ko-KR" altLang="en-US"/>
           </a:p>
@@ -635,7 +636,7 @@
             <a:fld id="{B431DB3D-C2BB-4DBE-9C63-7A3084D9948D}" type="datetimeFigureOut">
               <a:rPr lang="ko-KR" altLang="en-US" smtClean="0"/>
               <a:pPr/>
-              <a:t>2020-08-06</a:t>
+              <a:t>2020-08-10</a:t>
             </a:fld>
             <a:endParaRPr lang="ko-KR" altLang="en-US"/>
           </a:p>
@@ -802,7 +803,7 @@
             <a:fld id="{B431DB3D-C2BB-4DBE-9C63-7A3084D9948D}" type="datetimeFigureOut">
               <a:rPr lang="ko-KR" altLang="en-US" smtClean="0"/>
               <a:pPr/>
-              <a:t>2020-08-06</a:t>
+              <a:t>2020-08-10</a:t>
             </a:fld>
             <a:endParaRPr lang="ko-KR" altLang="en-US"/>
           </a:p>
@@ -1045,7 +1046,7 @@
             <a:fld id="{B431DB3D-C2BB-4DBE-9C63-7A3084D9948D}" type="datetimeFigureOut">
               <a:rPr lang="ko-KR" altLang="en-US" smtClean="0"/>
               <a:pPr/>
-              <a:t>2020-08-06</a:t>
+              <a:t>2020-08-10</a:t>
             </a:fld>
             <a:endParaRPr lang="ko-KR" altLang="en-US"/>
           </a:p>
@@ -1330,7 +1331,7 @@
             <a:fld id="{B431DB3D-C2BB-4DBE-9C63-7A3084D9948D}" type="datetimeFigureOut">
               <a:rPr lang="ko-KR" altLang="en-US" smtClean="0"/>
               <a:pPr/>
-              <a:t>2020-08-06</a:t>
+              <a:t>2020-08-10</a:t>
             </a:fld>
             <a:endParaRPr lang="ko-KR" altLang="en-US"/>
           </a:p>
@@ -1754,7 +1755,7 @@
             <a:fld id="{B431DB3D-C2BB-4DBE-9C63-7A3084D9948D}" type="datetimeFigureOut">
               <a:rPr lang="ko-KR" altLang="en-US" smtClean="0"/>
               <a:pPr/>
-              <a:t>2020-08-06</a:t>
+              <a:t>2020-08-10</a:t>
             </a:fld>
             <a:endParaRPr lang="ko-KR" altLang="en-US"/>
           </a:p>
@@ -1869,7 +1870,7 @@
             <a:fld id="{B431DB3D-C2BB-4DBE-9C63-7A3084D9948D}" type="datetimeFigureOut">
               <a:rPr lang="ko-KR" altLang="en-US" smtClean="0"/>
               <a:pPr/>
-              <a:t>2020-08-06</a:t>
+              <a:t>2020-08-10</a:t>
             </a:fld>
             <a:endParaRPr lang="ko-KR" altLang="en-US"/>
           </a:p>
@@ -1961,7 +1962,7 @@
             <a:fld id="{B431DB3D-C2BB-4DBE-9C63-7A3084D9948D}" type="datetimeFigureOut">
               <a:rPr lang="ko-KR" altLang="en-US" smtClean="0"/>
               <a:pPr/>
-              <a:t>2020-08-06</a:t>
+              <a:t>2020-08-10</a:t>
             </a:fld>
             <a:endParaRPr lang="ko-KR" altLang="en-US"/>
           </a:p>
@@ -2235,7 +2236,7 @@
             <a:fld id="{B431DB3D-C2BB-4DBE-9C63-7A3084D9948D}" type="datetimeFigureOut">
               <a:rPr lang="ko-KR" altLang="en-US" smtClean="0"/>
               <a:pPr/>
-              <a:t>2020-08-06</a:t>
+              <a:t>2020-08-10</a:t>
             </a:fld>
             <a:endParaRPr lang="ko-KR" altLang="en-US"/>
           </a:p>
@@ -2485,7 +2486,7 @@
             <a:fld id="{B431DB3D-C2BB-4DBE-9C63-7A3084D9948D}" type="datetimeFigureOut">
               <a:rPr lang="ko-KR" altLang="en-US" smtClean="0"/>
               <a:pPr/>
-              <a:t>2020-08-06</a:t>
+              <a:t>2020-08-10</a:t>
             </a:fld>
             <a:endParaRPr lang="ko-KR" altLang="en-US"/>
           </a:p>
@@ -2695,7 +2696,7 @@
             <a:fld id="{B431DB3D-C2BB-4DBE-9C63-7A3084D9948D}" type="datetimeFigureOut">
               <a:rPr lang="ko-KR" altLang="en-US" smtClean="0"/>
               <a:pPr/>
-              <a:t>2020-08-06</a:t>
+              <a:t>2020-08-10</a:t>
             </a:fld>
             <a:endParaRPr lang="ko-KR" altLang="en-US"/>
           </a:p>
@@ -4700,43 +4701,7 @@
                 </a:effectLst>
                 <a:ea typeface="Black Han Sans" pitchFamily="2" charset="-127"/>
               </a:rPr>
-              <a:t>종</a:t>
-            </a:r>
-            <a:r>
-              <a:rPr lang="ko-KR" altLang="en-US" sz="2200" b="1" dirty="0" smtClean="0">
-                <a:ln w="900" cmpd="sng">
-                  <a:solidFill>
-                    <a:schemeClr val="accent1">
-                      <a:satMod val="190000"/>
-                      <a:alpha val="55000"/>
-                    </a:schemeClr>
-                  </a:solidFill>
-                  <a:prstDash val="solid"/>
-                </a:ln>
-                <a:solidFill>
-                  <a:schemeClr val="accent1">
-                    <a:satMod val="200000"/>
-                    <a:tint val="3000"/>
-                  </a:schemeClr>
-                </a:solidFill>
-                <a:effectLst>
-                  <a:glow rad="228600">
-                    <a:schemeClr val="accent3">
-                      <a:satMod val="175000"/>
-                      <a:alpha val="40000"/>
-                    </a:schemeClr>
-                  </a:glow>
-                  <a:innerShdw blurRad="101600" dist="76200" dir="5400000">
-                    <a:schemeClr val="accent1">
-                      <a:satMod val="190000"/>
-                      <a:tint val="100000"/>
-                      <a:alpha val="74000"/>
-                    </a:schemeClr>
-                  </a:innerShdw>
-                </a:effectLst>
-                <a:ea typeface="Black Han Sans" pitchFamily="2" charset="-127"/>
-              </a:rPr>
-              <a:t>료</a:t>
+              <a:t>종료</a:t>
             </a:r>
             <a:endParaRPr lang="ko-KR" altLang="en-US" sz="2200" b="1" dirty="0">
               <a:ln w="900" cmpd="sng">
@@ -13755,6 +13720,1643 @@
               </a:rPr>
               <a:t>소속</a:t>
             </a:r>
+          </a:p>
+        </p:txBody>
+      </p:sp>
+    </p:spTree>
+  </p:cSld>
+  <p:clrMapOvr>
+    <a:masterClrMapping/>
+  </p:clrMapOvr>
+</p:sld>
+</file>
+
+<file path=ppt/slides/slide4.xml><?xml version="1.0" encoding="utf-8"?>
+<p:sld xmlns:a="http://schemas.openxmlformats.org/drawingml/2006/main" xmlns:r="http://schemas.openxmlformats.org/officeDocument/2006/relationships" xmlns:p="http://schemas.openxmlformats.org/presentationml/2006/main">
+  <p:cSld>
+    <p:spTree>
+      <p:nvGrpSpPr>
+        <p:cNvPr id="1" name=""/>
+        <p:cNvGrpSpPr/>
+        <p:nvPr/>
+      </p:nvGrpSpPr>
+      <p:grpSpPr>
+        <a:xfrm>
+          <a:off x="0" y="0"/>
+          <a:ext cx="0" cy="0"/>
+          <a:chOff x="0" y="0"/>
+          <a:chExt cx="0" cy="0"/>
+        </a:xfrm>
+      </p:grpSpPr>
+      <p:grpSp>
+        <p:nvGrpSpPr>
+          <p:cNvPr id="18" name="그룹 17"/>
+          <p:cNvGrpSpPr/>
+          <p:nvPr/>
+        </p:nvGrpSpPr>
+        <p:grpSpPr>
+          <a:xfrm>
+            <a:off x="0" y="1038"/>
+            <a:ext cx="5760000" cy="5760000"/>
+            <a:chOff x="0" y="1038"/>
+            <a:chExt cx="5760000" cy="5760000"/>
+          </a:xfrm>
+        </p:grpSpPr>
+        <p:grpSp>
+          <p:nvGrpSpPr>
+            <p:cNvPr id="12" name="그룹 11"/>
+            <p:cNvGrpSpPr/>
+            <p:nvPr/>
+          </p:nvGrpSpPr>
+          <p:grpSpPr>
+            <a:xfrm>
+              <a:off x="0" y="1038"/>
+              <a:ext cx="5760000" cy="5760000"/>
+              <a:chOff x="0" y="1038"/>
+              <a:chExt cx="5760000" cy="5760000"/>
+            </a:xfrm>
+          </p:grpSpPr>
+          <p:grpSp>
+            <p:nvGrpSpPr>
+              <p:cNvPr id="2" name="그룹 97"/>
+              <p:cNvGrpSpPr/>
+              <p:nvPr/>
+            </p:nvGrpSpPr>
+            <p:grpSpPr>
+              <a:xfrm>
+                <a:off x="0" y="1038"/>
+                <a:ext cx="5760000" cy="5760000"/>
+                <a:chOff x="199" y="-2"/>
+                <a:chExt cx="5760000" cy="5760000"/>
+              </a:xfrm>
+            </p:grpSpPr>
+            <p:pic>
+              <p:nvPicPr>
+                <p:cNvPr id="262" name="그림 261" descr="thumb_l_B20E759027CB3D199D40FEFBC5870A10.jpg"/>
+                <p:cNvPicPr preferRelativeResize="0">
+                  <a:picLocks/>
+                </p:cNvPicPr>
+                <p:nvPr/>
+              </p:nvPicPr>
+              <p:blipFill>
+                <a:blip r:embed="rId2" cstate="print"/>
+                <a:stretch>
+                  <a:fillRect/>
+                </a:stretch>
+              </p:blipFill>
+              <p:spPr>
+                <a:xfrm>
+                  <a:off x="199" y="-2"/>
+                  <a:ext cx="5760000" cy="5760000"/>
+                </a:xfrm>
+                <a:prstGeom prst="rect">
+                  <a:avLst/>
+                </a:prstGeom>
+              </p:spPr>
+            </p:pic>
+            <p:sp>
+              <p:nvSpPr>
+                <p:cNvPr id="260" name="직사각형 259"/>
+                <p:cNvSpPr/>
+                <p:nvPr/>
+              </p:nvSpPr>
+              <p:spPr>
+                <a:xfrm>
+                  <a:off x="144215" y="216223"/>
+                  <a:ext cx="2664296" cy="720080"/>
+                </a:xfrm>
+                <a:prstGeom prst="rect">
+                  <a:avLst/>
+                </a:prstGeom>
+                <a:noFill/>
+                <a:ln>
+                  <a:noFill/>
+                </a:ln>
+              </p:spPr>
+              <p:style>
+                <a:lnRef idx="2">
+                  <a:schemeClr val="accent1">
+                    <a:shade val="50000"/>
+                  </a:schemeClr>
+                </a:lnRef>
+                <a:fillRef idx="1">
+                  <a:schemeClr val="accent1"/>
+                </a:fillRef>
+                <a:effectRef idx="0">
+                  <a:schemeClr val="accent1"/>
+                </a:effectRef>
+                <a:fontRef idx="minor">
+                  <a:schemeClr val="lt1"/>
+                </a:fontRef>
+              </p:style>
+              <p:txBody>
+                <a:bodyPr rtlCol="0" anchor="ctr"/>
+                <a:lstStyle/>
+                <a:p>
+                  <a:r>
+                    <a:rPr lang="ko-KR" altLang="en-US" sz="6000" b="1" dirty="0" smtClean="0">
+                      <a:ln w="10541" cmpd="sng">
+                        <a:solidFill>
+                          <a:srgbClr val="7D7D7D">
+                            <a:tint val="100000"/>
+                            <a:shade val="100000"/>
+                            <a:satMod val="110000"/>
+                          </a:srgbClr>
+                        </a:solidFill>
+                        <a:prstDash val="solid"/>
+                      </a:ln>
+                      <a:solidFill>
+                        <a:schemeClr val="accent2">
+                          <a:lumMod val="60000"/>
+                          <a:lumOff val="40000"/>
+                        </a:schemeClr>
+                      </a:solidFill>
+                      <a:latin typeface="tvN 즐거운이야기 Bold" pitchFamily="18" charset="-127"/>
+                      <a:ea typeface="tvN 즐거운이야기 Bold" pitchFamily="18" charset="-127"/>
+                    </a:rPr>
+                    <a:t>회원 가입</a:t>
+                  </a:r>
+                  <a:endParaRPr lang="ko-KR" altLang="en-US" sz="6000" b="1" dirty="0">
+                    <a:ln w="10541" cmpd="sng">
+                      <a:solidFill>
+                        <a:srgbClr val="7D7D7D">
+                          <a:tint val="100000"/>
+                          <a:shade val="100000"/>
+                          <a:satMod val="110000"/>
+                        </a:srgbClr>
+                      </a:solidFill>
+                      <a:prstDash val="solid"/>
+                    </a:ln>
+                    <a:solidFill>
+                      <a:schemeClr val="accent2">
+                        <a:lumMod val="60000"/>
+                        <a:lumOff val="40000"/>
+                      </a:schemeClr>
+                    </a:solidFill>
+                    <a:latin typeface="tvN 즐거운이야기 Bold" pitchFamily="18" charset="-127"/>
+                    <a:ea typeface="tvN 즐거운이야기 Bold" pitchFamily="18" charset="-127"/>
+                  </a:endParaRPr>
+                </a:p>
+              </p:txBody>
+            </p:sp>
+          </p:grpSp>
+          <p:sp>
+            <p:nvSpPr>
+              <p:cNvPr id="11" name="직사각형 10"/>
+              <p:cNvSpPr/>
+              <p:nvPr/>
+            </p:nvSpPr>
+            <p:spPr>
+              <a:xfrm>
+                <a:off x="216223" y="1224335"/>
+                <a:ext cx="5328592" cy="1656184"/>
+              </a:xfrm>
+              <a:prstGeom prst="rect">
+                <a:avLst/>
+              </a:prstGeom>
+              <a:solidFill>
+                <a:schemeClr val="accent5">
+                  <a:lumMod val="60000"/>
+                  <a:lumOff val="40000"/>
+                  <a:alpha val="75000"/>
+                </a:schemeClr>
+              </a:solidFill>
+              <a:ln>
+                <a:noFill/>
+              </a:ln>
+            </p:spPr>
+            <p:style>
+              <a:lnRef idx="2">
+                <a:schemeClr val="accent1">
+                  <a:shade val="50000"/>
+                </a:schemeClr>
+              </a:lnRef>
+              <a:fillRef idx="1">
+                <a:schemeClr val="accent1"/>
+              </a:fillRef>
+              <a:effectRef idx="0">
+                <a:schemeClr val="accent1"/>
+              </a:effectRef>
+              <a:fontRef idx="minor">
+                <a:schemeClr val="lt1"/>
+              </a:fontRef>
+            </p:style>
+            <p:txBody>
+              <a:bodyPr rtlCol="0" anchor="ctr"/>
+              <a:lstStyle/>
+              <a:p>
+                <a:pPr algn="ctr"/>
+                <a:r>
+                  <a:rPr lang="ko-KR" altLang="en-US" sz="4000" b="1" dirty="0" smtClean="0">
+                    <a:ln w="10541" cmpd="sng">
+                      <a:solidFill>
+                        <a:schemeClr val="accent1">
+                          <a:shade val="88000"/>
+                          <a:satMod val="110000"/>
+                        </a:schemeClr>
+                      </a:solidFill>
+                      <a:prstDash val="solid"/>
+                    </a:ln>
+                    <a:solidFill>
+                      <a:srgbClr val="00B0F0"/>
+                    </a:solidFill>
+                    <a:latin typeface="1훈떡볶이 R" pitchFamily="18" charset="-127"/>
+                    <a:ea typeface="1훈떡볶이 R" pitchFamily="18" charset="-127"/>
+                  </a:rPr>
+                  <a:t>정보를 모두 입력하신 후에 카드</a:t>
+                </a:r>
+                <a:r>
+                  <a:rPr lang="en-US" altLang="ko-KR" sz="4000" b="1" dirty="0" smtClean="0">
+                    <a:ln w="10541" cmpd="sng">
+                      <a:solidFill>
+                        <a:schemeClr val="accent1">
+                          <a:shade val="88000"/>
+                          <a:satMod val="110000"/>
+                        </a:schemeClr>
+                      </a:solidFill>
+                      <a:prstDash val="solid"/>
+                    </a:ln>
+                    <a:solidFill>
+                      <a:srgbClr val="00B0F0"/>
+                    </a:solidFill>
+                    <a:latin typeface="1훈떡볶이 R" pitchFamily="18" charset="-127"/>
+                    <a:ea typeface="1훈떡볶이 R" pitchFamily="18" charset="-127"/>
+                  </a:rPr>
+                  <a:t>(</a:t>
+                </a:r>
+                <a:r>
+                  <a:rPr lang="ko-KR" altLang="en-US" sz="4000" b="1" dirty="0" smtClean="0">
+                    <a:ln w="10541" cmpd="sng">
+                      <a:solidFill>
+                        <a:schemeClr val="accent1">
+                          <a:shade val="88000"/>
+                          <a:satMod val="110000"/>
+                        </a:schemeClr>
+                      </a:solidFill>
+                      <a:prstDash val="solid"/>
+                    </a:ln>
+                    <a:solidFill>
+                      <a:srgbClr val="00B0F0"/>
+                    </a:solidFill>
+                    <a:latin typeface="1훈떡볶이 R" pitchFamily="18" charset="-127"/>
+                    <a:ea typeface="1훈떡볶이 R" pitchFamily="18" charset="-127"/>
+                  </a:rPr>
+                  <a:t>휴대폰</a:t>
+                </a:r>
+                <a:r>
+                  <a:rPr lang="en-US" altLang="ko-KR" sz="4000" b="1" dirty="0" smtClean="0">
+                    <a:ln w="10541" cmpd="sng">
+                      <a:solidFill>
+                        <a:schemeClr val="accent1">
+                          <a:shade val="88000"/>
+                          <a:satMod val="110000"/>
+                        </a:schemeClr>
+                      </a:solidFill>
+                      <a:prstDash val="solid"/>
+                    </a:ln>
+                    <a:solidFill>
+                      <a:srgbClr val="00B0F0"/>
+                    </a:solidFill>
+                    <a:latin typeface="1훈떡볶이 R" pitchFamily="18" charset="-127"/>
+                    <a:ea typeface="1훈떡볶이 R" pitchFamily="18" charset="-127"/>
+                  </a:rPr>
+                  <a:t>)</a:t>
+                </a:r>
+                <a:r>
+                  <a:rPr lang="ko-KR" altLang="en-US" sz="4000" b="1" dirty="0" smtClean="0">
+                    <a:ln w="10541" cmpd="sng">
+                      <a:solidFill>
+                        <a:schemeClr val="accent1">
+                          <a:shade val="88000"/>
+                          <a:satMod val="110000"/>
+                        </a:schemeClr>
+                      </a:solidFill>
+                      <a:prstDash val="solid"/>
+                    </a:ln>
+                    <a:solidFill>
+                      <a:srgbClr val="00B0F0"/>
+                    </a:solidFill>
+                    <a:latin typeface="1훈떡볶이 R" pitchFamily="18" charset="-127"/>
+                    <a:ea typeface="1훈떡볶이 R" pitchFamily="18" charset="-127"/>
+                  </a:rPr>
+                  <a:t>를 대 주세요</a:t>
+                </a:r>
+                <a:endParaRPr lang="ko-KR" altLang="en-US" sz="4000" b="1" dirty="0">
+                  <a:ln w="10541" cmpd="sng">
+                    <a:solidFill>
+                      <a:schemeClr val="accent1">
+                        <a:shade val="88000"/>
+                        <a:satMod val="110000"/>
+                      </a:schemeClr>
+                    </a:solidFill>
+                    <a:prstDash val="solid"/>
+                  </a:ln>
+                  <a:solidFill>
+                    <a:srgbClr val="00B0F0"/>
+                  </a:solidFill>
+                  <a:latin typeface="1훈떡볶이 R" pitchFamily="18" charset="-127"/>
+                  <a:ea typeface="1훈떡볶이 R" pitchFamily="18" charset="-127"/>
+                </a:endParaRPr>
+              </a:p>
+            </p:txBody>
+          </p:sp>
+        </p:grpSp>
+        <p:sp>
+          <p:nvSpPr>
+            <p:cNvPr id="15" name="직사각형 14"/>
+            <p:cNvSpPr/>
+            <p:nvPr/>
+          </p:nvSpPr>
+          <p:spPr>
+            <a:xfrm>
+              <a:off x="360239" y="3240559"/>
+              <a:ext cx="936104" cy="504056"/>
+            </a:xfrm>
+            <a:prstGeom prst="rect">
+              <a:avLst/>
+            </a:prstGeom>
+            <a:solidFill>
+              <a:schemeClr val="bg2">
+                <a:lumMod val="90000"/>
+              </a:schemeClr>
+            </a:solidFill>
+            <a:ln>
+              <a:noFill/>
+            </a:ln>
+            <a:scene3d>
+              <a:camera prst="orthographicFront"/>
+              <a:lightRig rig="threePt" dir="t"/>
+            </a:scene3d>
+            <a:sp3d>
+              <a:bevelT prst="relaxedInset"/>
+            </a:sp3d>
+          </p:spPr>
+          <p:style>
+            <a:lnRef idx="2">
+              <a:schemeClr val="accent1">
+                <a:shade val="50000"/>
+              </a:schemeClr>
+            </a:lnRef>
+            <a:fillRef idx="1">
+              <a:schemeClr val="accent1"/>
+            </a:fillRef>
+            <a:effectRef idx="0">
+              <a:schemeClr val="accent1"/>
+            </a:effectRef>
+            <a:fontRef idx="minor">
+              <a:schemeClr val="lt1"/>
+            </a:fontRef>
+          </p:style>
+          <p:txBody>
+            <a:bodyPr rtlCol="0" anchor="ctr"/>
+            <a:lstStyle/>
+            <a:p>
+              <a:pPr algn="ctr"/>
+              <a:r>
+                <a:rPr lang="ko-KR" altLang="en-US" sz="2200" b="1" spc="300" dirty="0" smtClean="0">
+                  <a:ln w="11430" cmpd="sng">
+                    <a:solidFill>
+                      <a:schemeClr val="accent1">
+                        <a:tint val="10000"/>
+                      </a:schemeClr>
+                    </a:solidFill>
+                    <a:prstDash val="solid"/>
+                    <a:miter lim="800000"/>
+                  </a:ln>
+                  <a:gradFill>
+                    <a:gsLst>
+                      <a:gs pos="10000">
+                        <a:schemeClr val="accent1">
+                          <a:tint val="83000"/>
+                          <a:shade val="100000"/>
+                          <a:satMod val="200000"/>
+                        </a:schemeClr>
+                      </a:gs>
+                      <a:gs pos="75000">
+                        <a:schemeClr val="accent1">
+                          <a:tint val="100000"/>
+                          <a:shade val="50000"/>
+                          <a:satMod val="150000"/>
+                        </a:schemeClr>
+                      </a:gs>
+                    </a:gsLst>
+                    <a:lin ang="5400000"/>
+                  </a:gradFill>
+                  <a:effectLst>
+                    <a:glow rad="228600">
+                      <a:schemeClr val="accent6">
+                        <a:satMod val="175000"/>
+                        <a:alpha val="40000"/>
+                      </a:schemeClr>
+                    </a:glow>
+                  </a:effectLst>
+                  <a:ea typeface="Black Han Sans" pitchFamily="2" charset="-127"/>
+                </a:rPr>
+                <a:t>이</a:t>
+              </a:r>
+              <a:r>
+                <a:rPr lang="ko-KR" altLang="en-US" sz="2200" b="1" spc="300" dirty="0" smtClean="0">
+                  <a:ln w="11430" cmpd="sng">
+                    <a:solidFill>
+                      <a:schemeClr val="accent1">
+                        <a:tint val="10000"/>
+                      </a:schemeClr>
+                    </a:solidFill>
+                    <a:prstDash val="solid"/>
+                    <a:miter lim="800000"/>
+                  </a:ln>
+                  <a:gradFill>
+                    <a:gsLst>
+                      <a:gs pos="10000">
+                        <a:schemeClr val="accent1">
+                          <a:tint val="83000"/>
+                          <a:shade val="100000"/>
+                          <a:satMod val="200000"/>
+                        </a:schemeClr>
+                      </a:gs>
+                      <a:gs pos="75000">
+                        <a:schemeClr val="accent1">
+                          <a:tint val="100000"/>
+                          <a:shade val="50000"/>
+                          <a:satMod val="150000"/>
+                        </a:schemeClr>
+                      </a:gs>
+                    </a:gsLst>
+                    <a:lin ang="5400000"/>
+                  </a:gradFill>
+                  <a:effectLst>
+                    <a:glow rad="228600">
+                      <a:schemeClr val="accent6">
+                        <a:satMod val="175000"/>
+                        <a:alpha val="40000"/>
+                      </a:schemeClr>
+                    </a:glow>
+                  </a:effectLst>
+                  <a:ea typeface="Black Han Sans" pitchFamily="2" charset="-127"/>
+                </a:rPr>
+                <a:t>름</a:t>
+              </a:r>
+              <a:endParaRPr lang="ko-KR" altLang="en-US" sz="2200" b="1" spc="300" dirty="0">
+                <a:ln w="11430" cmpd="sng">
+                  <a:solidFill>
+                    <a:schemeClr val="accent1">
+                      <a:tint val="10000"/>
+                    </a:schemeClr>
+                  </a:solidFill>
+                  <a:prstDash val="solid"/>
+                  <a:miter lim="800000"/>
+                </a:ln>
+                <a:gradFill>
+                  <a:gsLst>
+                    <a:gs pos="10000">
+                      <a:schemeClr val="accent1">
+                        <a:tint val="83000"/>
+                        <a:shade val="100000"/>
+                        <a:satMod val="200000"/>
+                      </a:schemeClr>
+                    </a:gs>
+                    <a:gs pos="75000">
+                      <a:schemeClr val="accent1">
+                        <a:tint val="100000"/>
+                        <a:shade val="50000"/>
+                        <a:satMod val="150000"/>
+                      </a:schemeClr>
+                    </a:gs>
+                  </a:gsLst>
+                  <a:lin ang="5400000"/>
+                </a:gradFill>
+                <a:effectLst>
+                  <a:glow rad="228600">
+                    <a:schemeClr val="accent6">
+                      <a:satMod val="175000"/>
+                      <a:alpha val="40000"/>
+                    </a:schemeClr>
+                  </a:glow>
+                </a:effectLst>
+                <a:ea typeface="Black Han Sans" pitchFamily="2" charset="-127"/>
+              </a:endParaRPr>
+            </a:p>
+          </p:txBody>
+        </p:sp>
+        <p:sp>
+          <p:nvSpPr>
+            <p:cNvPr id="16" name="직사각형 15"/>
+            <p:cNvSpPr/>
+            <p:nvPr/>
+          </p:nvSpPr>
+          <p:spPr>
+            <a:xfrm>
+              <a:off x="360239" y="4104655"/>
+              <a:ext cx="936104" cy="504056"/>
+            </a:xfrm>
+            <a:prstGeom prst="rect">
+              <a:avLst/>
+            </a:prstGeom>
+            <a:solidFill>
+              <a:schemeClr val="bg2">
+                <a:lumMod val="90000"/>
+              </a:schemeClr>
+            </a:solidFill>
+            <a:ln>
+              <a:noFill/>
+            </a:ln>
+            <a:scene3d>
+              <a:camera prst="orthographicFront"/>
+              <a:lightRig rig="threePt" dir="t"/>
+            </a:scene3d>
+            <a:sp3d>
+              <a:bevelT prst="relaxedInset"/>
+            </a:sp3d>
+          </p:spPr>
+          <p:style>
+            <a:lnRef idx="2">
+              <a:schemeClr val="accent1">
+                <a:shade val="50000"/>
+              </a:schemeClr>
+            </a:lnRef>
+            <a:fillRef idx="1">
+              <a:schemeClr val="accent1"/>
+            </a:fillRef>
+            <a:effectRef idx="0">
+              <a:schemeClr val="accent1"/>
+            </a:effectRef>
+            <a:fontRef idx="minor">
+              <a:schemeClr val="lt1"/>
+            </a:fontRef>
+          </p:style>
+          <p:txBody>
+            <a:bodyPr rtlCol="0" anchor="ctr"/>
+            <a:lstStyle/>
+            <a:p>
+              <a:pPr algn="ctr"/>
+              <a:r>
+                <a:rPr lang="ko-KR" altLang="en-US" sz="2200" b="1" spc="300" dirty="0" smtClean="0">
+                  <a:ln w="11430" cmpd="sng">
+                    <a:solidFill>
+                      <a:schemeClr val="accent1">
+                        <a:tint val="10000"/>
+                      </a:schemeClr>
+                    </a:solidFill>
+                    <a:prstDash val="solid"/>
+                    <a:miter lim="800000"/>
+                  </a:ln>
+                  <a:gradFill>
+                    <a:gsLst>
+                      <a:gs pos="10000">
+                        <a:schemeClr val="accent1">
+                          <a:tint val="83000"/>
+                          <a:shade val="100000"/>
+                          <a:satMod val="200000"/>
+                        </a:schemeClr>
+                      </a:gs>
+                      <a:gs pos="75000">
+                        <a:schemeClr val="accent1">
+                          <a:tint val="100000"/>
+                          <a:shade val="50000"/>
+                          <a:satMod val="150000"/>
+                        </a:schemeClr>
+                      </a:gs>
+                    </a:gsLst>
+                    <a:lin ang="5400000"/>
+                  </a:gradFill>
+                  <a:effectLst>
+                    <a:glow rad="228600">
+                      <a:schemeClr val="accent6">
+                        <a:satMod val="175000"/>
+                        <a:alpha val="40000"/>
+                      </a:schemeClr>
+                    </a:glow>
+                  </a:effectLst>
+                  <a:ea typeface="Black Han Sans" pitchFamily="2" charset="-127"/>
+                </a:rPr>
+                <a:t>소속</a:t>
+              </a:r>
+              <a:endParaRPr lang="ko-KR" altLang="en-US" sz="2200" b="1" spc="300" dirty="0">
+                <a:ln w="11430" cmpd="sng">
+                  <a:solidFill>
+                    <a:schemeClr val="accent1">
+                      <a:tint val="10000"/>
+                    </a:schemeClr>
+                  </a:solidFill>
+                  <a:prstDash val="solid"/>
+                  <a:miter lim="800000"/>
+                </a:ln>
+                <a:gradFill>
+                  <a:gsLst>
+                    <a:gs pos="10000">
+                      <a:schemeClr val="accent1">
+                        <a:tint val="83000"/>
+                        <a:shade val="100000"/>
+                        <a:satMod val="200000"/>
+                      </a:schemeClr>
+                    </a:gs>
+                    <a:gs pos="75000">
+                      <a:schemeClr val="accent1">
+                        <a:tint val="100000"/>
+                        <a:shade val="50000"/>
+                        <a:satMod val="150000"/>
+                      </a:schemeClr>
+                    </a:gs>
+                  </a:gsLst>
+                  <a:lin ang="5400000"/>
+                </a:gradFill>
+                <a:effectLst>
+                  <a:glow rad="228600">
+                    <a:schemeClr val="accent6">
+                      <a:satMod val="175000"/>
+                      <a:alpha val="40000"/>
+                    </a:schemeClr>
+                  </a:glow>
+                </a:effectLst>
+                <a:ea typeface="Black Han Sans" pitchFamily="2" charset="-127"/>
+              </a:endParaRPr>
+            </a:p>
+          </p:txBody>
+        </p:sp>
+      </p:grpSp>
+      <p:sp>
+        <p:nvSpPr>
+          <p:cNvPr id="263" name="직사각형 262"/>
+          <p:cNvSpPr/>
+          <p:nvPr/>
+        </p:nvSpPr>
+        <p:spPr>
+          <a:xfrm>
+            <a:off x="4176663" y="288231"/>
+            <a:ext cx="1368152" cy="504056"/>
+          </a:xfrm>
+          <a:prstGeom prst="rect">
+            <a:avLst/>
+          </a:prstGeom>
+          <a:solidFill>
+            <a:schemeClr val="bg1">
+              <a:lumMod val="85000"/>
+            </a:schemeClr>
+          </a:solidFill>
+          <a:ln>
+            <a:noFill/>
+          </a:ln>
+          <a:scene3d>
+            <a:camera prst="orthographicFront"/>
+            <a:lightRig rig="threePt" dir="t"/>
+          </a:scene3d>
+          <a:sp3d>
+            <a:bevelT w="101600" prst="riblet"/>
+          </a:sp3d>
+        </p:spPr>
+        <p:style>
+          <a:lnRef idx="2">
+            <a:schemeClr val="accent1">
+              <a:shade val="50000"/>
+            </a:schemeClr>
+          </a:lnRef>
+          <a:fillRef idx="1">
+            <a:schemeClr val="accent1"/>
+          </a:fillRef>
+          <a:effectRef idx="0">
+            <a:schemeClr val="accent1"/>
+          </a:effectRef>
+          <a:fontRef idx="minor">
+            <a:schemeClr val="lt1"/>
+          </a:fontRef>
+        </p:style>
+        <p:txBody>
+          <a:bodyPr rtlCol="0" anchor="ctr"/>
+          <a:lstStyle/>
+          <a:p>
+            <a:pPr algn="ctr"/>
+            <a:r>
+              <a:rPr lang="ko-KR" altLang="en-US" sz="2200" b="1" dirty="0" smtClean="0">
+                <a:ln w="900" cmpd="sng">
+                  <a:solidFill>
+                    <a:schemeClr val="accent1">
+                      <a:satMod val="190000"/>
+                      <a:alpha val="55000"/>
+                    </a:schemeClr>
+                  </a:solidFill>
+                  <a:prstDash val="solid"/>
+                </a:ln>
+                <a:solidFill>
+                  <a:schemeClr val="accent1">
+                    <a:satMod val="200000"/>
+                    <a:tint val="3000"/>
+                  </a:schemeClr>
+                </a:solidFill>
+                <a:effectLst>
+                  <a:glow rad="228600">
+                    <a:schemeClr val="accent3">
+                      <a:satMod val="175000"/>
+                      <a:alpha val="40000"/>
+                    </a:schemeClr>
+                  </a:glow>
+                  <a:innerShdw blurRad="101600" dist="76200" dir="5400000">
+                    <a:schemeClr val="accent1">
+                      <a:satMod val="190000"/>
+                      <a:tint val="100000"/>
+                      <a:alpha val="74000"/>
+                    </a:schemeClr>
+                  </a:innerShdw>
+                </a:effectLst>
+                <a:ea typeface="Black Han Sans" pitchFamily="2" charset="-127"/>
+              </a:rPr>
+              <a:t>돌아가기</a:t>
+            </a:r>
+            <a:endParaRPr lang="ko-KR" altLang="en-US" sz="2200" b="1" dirty="0">
+              <a:ln w="900" cmpd="sng">
+                <a:solidFill>
+                  <a:schemeClr val="accent1">
+                    <a:satMod val="190000"/>
+                    <a:alpha val="55000"/>
+                  </a:schemeClr>
+                </a:solidFill>
+                <a:prstDash val="solid"/>
+              </a:ln>
+              <a:solidFill>
+                <a:schemeClr val="accent1">
+                  <a:satMod val="200000"/>
+                  <a:tint val="3000"/>
+                </a:schemeClr>
+              </a:solidFill>
+              <a:effectLst>
+                <a:glow rad="228600">
+                  <a:schemeClr val="accent3">
+                    <a:satMod val="175000"/>
+                    <a:alpha val="40000"/>
+                  </a:schemeClr>
+                </a:glow>
+                <a:innerShdw blurRad="101600" dist="76200" dir="5400000">
+                  <a:schemeClr val="accent1">
+                    <a:satMod val="190000"/>
+                    <a:tint val="100000"/>
+                    <a:alpha val="74000"/>
+                  </a:schemeClr>
+                </a:innerShdw>
+              </a:effectLst>
+              <a:ea typeface="Black Han Sans" pitchFamily="2" charset="-127"/>
+            </a:endParaRPr>
+          </a:p>
+        </p:txBody>
+      </p:sp>
+      <p:sp>
+        <p:nvSpPr>
+          <p:cNvPr id="99" name="직사각형 98"/>
+          <p:cNvSpPr/>
+          <p:nvPr/>
+        </p:nvSpPr>
+        <p:spPr>
+          <a:xfrm>
+            <a:off x="504255" y="-108012"/>
+            <a:ext cx="1440160" cy="216024"/>
+          </a:xfrm>
+          <a:prstGeom prst="rect">
+            <a:avLst/>
+          </a:prstGeom>
+          <a:solidFill>
+            <a:schemeClr val="accent5">
+              <a:lumMod val="60000"/>
+              <a:lumOff val="40000"/>
+            </a:schemeClr>
+          </a:solidFill>
+          <a:ln>
+            <a:solidFill>
+              <a:schemeClr val="bg1">
+                <a:lumMod val="65000"/>
+              </a:schemeClr>
+            </a:solidFill>
+            <a:prstDash val="solid"/>
+          </a:ln>
+          <a:effectLst/>
+          <a:scene3d>
+            <a:camera prst="orthographicFront"/>
+            <a:lightRig rig="threePt" dir="t"/>
+          </a:scene3d>
+          <a:sp3d>
+            <a:bevelT/>
+          </a:sp3d>
+        </p:spPr>
+        <p:style>
+          <a:lnRef idx="2">
+            <a:schemeClr val="accent1">
+              <a:shade val="50000"/>
+            </a:schemeClr>
+          </a:lnRef>
+          <a:fillRef idx="1">
+            <a:schemeClr val="accent1"/>
+          </a:fillRef>
+          <a:effectRef idx="0">
+            <a:schemeClr val="accent1"/>
+          </a:effectRef>
+          <a:fontRef idx="minor">
+            <a:schemeClr val="lt1"/>
+          </a:fontRef>
+        </p:style>
+        <p:txBody>
+          <a:bodyPr rtlCol="0" anchor="ctr">
+            <a:scene3d>
+              <a:camera prst="orthographicFront"/>
+              <a:lightRig rig="flat" dir="tl">
+                <a:rot lat="0" lon="0" rev="6600000"/>
+              </a:lightRig>
+            </a:scene3d>
+            <a:sp3d extrusionH="25400" contourW="8890">
+              <a:contourClr>
+                <a:schemeClr val="accent2">
+                  <a:shade val="75000"/>
+                </a:schemeClr>
+              </a:contourClr>
+            </a:sp3d>
+          </a:bodyPr>
+          <a:lstStyle/>
+          <a:p>
+            <a:pPr algn="ctr"/>
+            <a:r>
+              <a:rPr lang="ko-KR" altLang="en-US" sz="1000" b="1" dirty="0" smtClean="0">
+                <a:ln w="11430"/>
+                <a:solidFill>
+                  <a:schemeClr val="accent6">
+                    <a:lumMod val="40000"/>
+                    <a:lumOff val="60000"/>
+                  </a:schemeClr>
+                </a:solidFill>
+                <a:effectLst>
+                  <a:glow rad="228600">
+                    <a:schemeClr val="accent1">
+                      <a:satMod val="175000"/>
+                      <a:alpha val="40000"/>
+                    </a:schemeClr>
+                  </a:glow>
+                  <a:outerShdw blurRad="50800" dist="39000" dir="5460000" algn="tl">
+                    <a:srgbClr val="000000">
+                      <a:alpha val="38000"/>
+                    </a:srgbClr>
+                  </a:outerShdw>
+                </a:effectLst>
+              </a:rPr>
+              <a:t>날짜</a:t>
+            </a:r>
+          </a:p>
+        </p:txBody>
+      </p:sp>
+      <p:sp>
+        <p:nvSpPr>
+          <p:cNvPr id="100" name="직사각형 99"/>
+          <p:cNvSpPr/>
+          <p:nvPr/>
+        </p:nvSpPr>
+        <p:spPr>
+          <a:xfrm>
+            <a:off x="2016423" y="-108012"/>
+            <a:ext cx="1440000" cy="216024"/>
+          </a:xfrm>
+          <a:prstGeom prst="rect">
+            <a:avLst/>
+          </a:prstGeom>
+          <a:solidFill>
+            <a:schemeClr val="accent5">
+              <a:lumMod val="60000"/>
+              <a:lumOff val="40000"/>
+            </a:schemeClr>
+          </a:solidFill>
+          <a:ln>
+            <a:solidFill>
+              <a:schemeClr val="bg1">
+                <a:lumMod val="65000"/>
+              </a:schemeClr>
+            </a:solidFill>
+            <a:prstDash val="solid"/>
+          </a:ln>
+          <a:effectLst/>
+          <a:scene3d>
+            <a:camera prst="orthographicFront"/>
+            <a:lightRig rig="threePt" dir="t"/>
+          </a:scene3d>
+          <a:sp3d>
+            <a:bevelT/>
+          </a:sp3d>
+        </p:spPr>
+        <p:style>
+          <a:lnRef idx="2">
+            <a:schemeClr val="accent1">
+              <a:shade val="50000"/>
+            </a:schemeClr>
+          </a:lnRef>
+          <a:fillRef idx="1">
+            <a:schemeClr val="accent1"/>
+          </a:fillRef>
+          <a:effectRef idx="0">
+            <a:schemeClr val="accent1"/>
+          </a:effectRef>
+          <a:fontRef idx="minor">
+            <a:schemeClr val="lt1"/>
+          </a:fontRef>
+        </p:style>
+        <p:txBody>
+          <a:bodyPr rtlCol="0" anchor="ctr">
+            <a:scene3d>
+              <a:camera prst="orthographicFront"/>
+              <a:lightRig rig="flat" dir="tl">
+                <a:rot lat="0" lon="0" rev="6600000"/>
+              </a:lightRig>
+            </a:scene3d>
+            <a:sp3d extrusionH="25400" contourW="8890">
+              <a:contourClr>
+                <a:schemeClr val="accent2">
+                  <a:shade val="75000"/>
+                </a:schemeClr>
+              </a:contourClr>
+            </a:sp3d>
+          </a:bodyPr>
+          <a:lstStyle/>
+          <a:p>
+            <a:pPr algn="ctr"/>
+            <a:r>
+              <a:rPr lang="ko-KR" altLang="en-US" sz="1000" b="1" dirty="0" smtClean="0">
+                <a:ln w="11430"/>
+                <a:solidFill>
+                  <a:schemeClr val="accent6">
+                    <a:lumMod val="40000"/>
+                    <a:lumOff val="60000"/>
+                  </a:schemeClr>
+                </a:solidFill>
+                <a:effectLst>
+                  <a:glow rad="228600">
+                    <a:schemeClr val="accent1">
+                      <a:satMod val="175000"/>
+                      <a:alpha val="40000"/>
+                    </a:schemeClr>
+                  </a:glow>
+                  <a:outerShdw blurRad="50800" dist="39000" dir="5460000" algn="tl">
+                    <a:srgbClr val="000000">
+                      <a:alpha val="38000"/>
+                    </a:srgbClr>
+                  </a:outerShdw>
+                </a:effectLst>
+              </a:rPr>
+              <a:t>시간</a:t>
+            </a:r>
+          </a:p>
+        </p:txBody>
+      </p:sp>
+      <p:sp>
+        <p:nvSpPr>
+          <p:cNvPr id="106" name="직사각형 105"/>
+          <p:cNvSpPr/>
+          <p:nvPr/>
+        </p:nvSpPr>
+        <p:spPr>
+          <a:xfrm>
+            <a:off x="144215" y="-108012"/>
+            <a:ext cx="287992" cy="216024"/>
+          </a:xfrm>
+          <a:prstGeom prst="rect">
+            <a:avLst/>
+          </a:prstGeom>
+          <a:solidFill>
+            <a:schemeClr val="accent5">
+              <a:lumMod val="60000"/>
+              <a:lumOff val="40000"/>
+            </a:schemeClr>
+          </a:solidFill>
+          <a:ln>
+            <a:solidFill>
+              <a:schemeClr val="bg1">
+                <a:lumMod val="65000"/>
+              </a:schemeClr>
+            </a:solidFill>
+            <a:prstDash val="solid"/>
+          </a:ln>
+          <a:effectLst/>
+          <a:scene3d>
+            <a:camera prst="orthographicFront"/>
+            <a:lightRig rig="threePt" dir="t"/>
+          </a:scene3d>
+          <a:sp3d>
+            <a:bevelT/>
+          </a:sp3d>
+        </p:spPr>
+        <p:style>
+          <a:lnRef idx="2">
+            <a:schemeClr val="accent1">
+              <a:shade val="50000"/>
+            </a:schemeClr>
+          </a:lnRef>
+          <a:fillRef idx="1">
+            <a:schemeClr val="accent1"/>
+          </a:fillRef>
+          <a:effectRef idx="0">
+            <a:schemeClr val="accent1"/>
+          </a:effectRef>
+          <a:fontRef idx="minor">
+            <a:schemeClr val="lt1"/>
+          </a:fontRef>
+        </p:style>
+        <p:txBody>
+          <a:bodyPr rtlCol="0" anchor="ctr">
+            <a:scene3d>
+              <a:camera prst="orthographicFront"/>
+              <a:lightRig rig="flat" dir="tl">
+                <a:rot lat="0" lon="0" rev="6600000"/>
+              </a:lightRig>
+            </a:scene3d>
+            <a:sp3d extrusionH="25400" contourW="8890">
+              <a:contourClr>
+                <a:schemeClr val="accent2">
+                  <a:shade val="75000"/>
+                </a:schemeClr>
+              </a:contourClr>
+            </a:sp3d>
+          </a:bodyPr>
+          <a:lstStyle/>
+          <a:p>
+            <a:pPr algn="ctr"/>
+            <a:endParaRPr lang="ko-KR" altLang="en-US" sz="1000" b="1" dirty="0" smtClean="0">
+              <a:ln w="11430"/>
+              <a:solidFill>
+                <a:schemeClr val="accent6">
+                  <a:lumMod val="40000"/>
+                  <a:lumOff val="60000"/>
+                </a:schemeClr>
+              </a:solidFill>
+              <a:effectLst>
+                <a:glow rad="228600">
+                  <a:schemeClr val="accent1">
+                    <a:satMod val="175000"/>
+                    <a:alpha val="40000"/>
+                  </a:schemeClr>
+                </a:glow>
+                <a:outerShdw blurRad="50800" dist="39000" dir="5460000" algn="tl">
+                  <a:srgbClr val="000000">
+                    <a:alpha val="38000"/>
+                  </a:srgbClr>
+                </a:outerShdw>
+              </a:effectLst>
+            </a:endParaRPr>
+          </a:p>
+        </p:txBody>
+      </p:sp>
+      <p:sp>
+        <p:nvSpPr>
+          <p:cNvPr id="107" name="직사각형 106"/>
+          <p:cNvSpPr/>
+          <p:nvPr/>
+        </p:nvSpPr>
+        <p:spPr>
+          <a:xfrm>
+            <a:off x="3528591" y="-108012"/>
+            <a:ext cx="864096" cy="216024"/>
+          </a:xfrm>
+          <a:prstGeom prst="rect">
+            <a:avLst/>
+          </a:prstGeom>
+          <a:solidFill>
+            <a:schemeClr val="accent5">
+              <a:lumMod val="60000"/>
+              <a:lumOff val="40000"/>
+            </a:schemeClr>
+          </a:solidFill>
+          <a:ln>
+            <a:solidFill>
+              <a:schemeClr val="bg1">
+                <a:lumMod val="65000"/>
+              </a:schemeClr>
+            </a:solidFill>
+            <a:prstDash val="solid"/>
+          </a:ln>
+          <a:effectLst/>
+          <a:scene3d>
+            <a:camera prst="orthographicFront"/>
+            <a:lightRig rig="threePt" dir="t"/>
+          </a:scene3d>
+          <a:sp3d>
+            <a:bevelT/>
+          </a:sp3d>
+        </p:spPr>
+        <p:style>
+          <a:lnRef idx="2">
+            <a:schemeClr val="accent1">
+              <a:shade val="50000"/>
+            </a:schemeClr>
+          </a:lnRef>
+          <a:fillRef idx="1">
+            <a:schemeClr val="accent1"/>
+          </a:fillRef>
+          <a:effectRef idx="0">
+            <a:schemeClr val="accent1"/>
+          </a:effectRef>
+          <a:fontRef idx="minor">
+            <a:schemeClr val="lt1"/>
+          </a:fontRef>
+        </p:style>
+        <p:txBody>
+          <a:bodyPr rtlCol="0" anchor="ctr">
+            <a:scene3d>
+              <a:camera prst="orthographicFront"/>
+              <a:lightRig rig="flat" dir="tl">
+                <a:rot lat="0" lon="0" rev="6600000"/>
+              </a:lightRig>
+            </a:scene3d>
+            <a:sp3d extrusionH="25400" contourW="8890">
+              <a:contourClr>
+                <a:schemeClr val="accent2">
+                  <a:shade val="75000"/>
+                </a:schemeClr>
+              </a:contourClr>
+            </a:sp3d>
+          </a:bodyPr>
+          <a:lstStyle/>
+          <a:p>
+            <a:pPr algn="ctr"/>
+            <a:r>
+              <a:rPr lang="ko-KR" altLang="en-US" sz="1000" b="1" dirty="0" smtClean="0">
+                <a:ln w="11430"/>
+                <a:solidFill>
+                  <a:schemeClr val="accent6">
+                    <a:lumMod val="40000"/>
+                    <a:lumOff val="60000"/>
+                  </a:schemeClr>
+                </a:solidFill>
+                <a:effectLst>
+                  <a:glow rad="228600">
+                    <a:schemeClr val="accent1">
+                      <a:satMod val="175000"/>
+                      <a:alpha val="40000"/>
+                    </a:schemeClr>
+                  </a:glow>
+                  <a:outerShdw blurRad="50800" dist="39000" dir="5460000" algn="tl">
+                    <a:srgbClr val="000000">
+                      <a:alpha val="38000"/>
+                    </a:srgbClr>
+                  </a:outerShdw>
+                </a:effectLst>
+              </a:rPr>
+              <a:t>이름</a:t>
+            </a:r>
+          </a:p>
+        </p:txBody>
+      </p:sp>
+      <p:sp>
+        <p:nvSpPr>
+          <p:cNvPr id="108" name="직사각형 107"/>
+          <p:cNvSpPr/>
+          <p:nvPr/>
+        </p:nvSpPr>
+        <p:spPr>
+          <a:xfrm>
+            <a:off x="4464695" y="-108012"/>
+            <a:ext cx="1224136" cy="216024"/>
+          </a:xfrm>
+          <a:prstGeom prst="rect">
+            <a:avLst/>
+          </a:prstGeom>
+          <a:solidFill>
+            <a:schemeClr val="accent5">
+              <a:lumMod val="60000"/>
+              <a:lumOff val="40000"/>
+            </a:schemeClr>
+          </a:solidFill>
+          <a:ln>
+            <a:solidFill>
+              <a:schemeClr val="bg1">
+                <a:lumMod val="65000"/>
+              </a:schemeClr>
+            </a:solidFill>
+            <a:prstDash val="solid"/>
+          </a:ln>
+          <a:effectLst/>
+          <a:scene3d>
+            <a:camera prst="orthographicFront"/>
+            <a:lightRig rig="threePt" dir="t"/>
+          </a:scene3d>
+          <a:sp3d>
+            <a:bevelT/>
+          </a:sp3d>
+        </p:spPr>
+        <p:style>
+          <a:lnRef idx="2">
+            <a:schemeClr val="accent1">
+              <a:shade val="50000"/>
+            </a:schemeClr>
+          </a:lnRef>
+          <a:fillRef idx="1">
+            <a:schemeClr val="accent1"/>
+          </a:fillRef>
+          <a:effectRef idx="0">
+            <a:schemeClr val="accent1"/>
+          </a:effectRef>
+          <a:fontRef idx="minor">
+            <a:schemeClr val="lt1"/>
+          </a:fontRef>
+        </p:style>
+        <p:txBody>
+          <a:bodyPr rtlCol="0" anchor="ctr">
+            <a:scene3d>
+              <a:camera prst="orthographicFront"/>
+              <a:lightRig rig="flat" dir="tl">
+                <a:rot lat="0" lon="0" rev="6600000"/>
+              </a:lightRig>
+            </a:scene3d>
+            <a:sp3d extrusionH="25400" contourW="8890">
+              <a:contourClr>
+                <a:schemeClr val="accent2">
+                  <a:shade val="75000"/>
+                </a:schemeClr>
+              </a:contourClr>
+            </a:sp3d>
+          </a:bodyPr>
+          <a:lstStyle/>
+          <a:p>
+            <a:pPr algn="ctr"/>
+            <a:r>
+              <a:rPr lang="ko-KR" altLang="en-US" sz="1000" b="1" dirty="0" smtClean="0">
+                <a:ln w="11430"/>
+                <a:solidFill>
+                  <a:schemeClr val="accent6">
+                    <a:lumMod val="40000"/>
+                    <a:lumOff val="60000"/>
+                  </a:schemeClr>
+                </a:solidFill>
+                <a:effectLst>
+                  <a:glow rad="228600">
+                    <a:schemeClr val="accent1">
+                      <a:satMod val="175000"/>
+                      <a:alpha val="40000"/>
+                    </a:schemeClr>
+                  </a:glow>
+                  <a:outerShdw blurRad="50800" dist="39000" dir="5460000" algn="tl">
+                    <a:srgbClr val="000000">
+                      <a:alpha val="38000"/>
+                    </a:srgbClr>
+                  </a:outerShdw>
+                </a:effectLst>
+              </a:rPr>
+              <a:t>소속</a:t>
+            </a:r>
+          </a:p>
+        </p:txBody>
+      </p:sp>
+      <p:sp>
+        <p:nvSpPr>
+          <p:cNvPr id="13" name="직사각형 12"/>
+          <p:cNvSpPr/>
+          <p:nvPr/>
+        </p:nvSpPr>
+        <p:spPr>
+          <a:xfrm>
+            <a:off x="3960639" y="3240559"/>
+            <a:ext cx="1368152" cy="504056"/>
+          </a:xfrm>
+          <a:prstGeom prst="rect">
+            <a:avLst/>
+          </a:prstGeom>
+          <a:solidFill>
+            <a:schemeClr val="bg1">
+              <a:lumMod val="85000"/>
+            </a:schemeClr>
+          </a:solidFill>
+          <a:ln>
+            <a:noFill/>
+          </a:ln>
+          <a:scene3d>
+            <a:camera prst="orthographicFront"/>
+            <a:lightRig rig="threePt" dir="t"/>
+          </a:scene3d>
+          <a:sp3d>
+            <a:bevelT w="101600" prst="riblet"/>
+          </a:sp3d>
+        </p:spPr>
+        <p:style>
+          <a:lnRef idx="2">
+            <a:schemeClr val="accent1">
+              <a:shade val="50000"/>
+            </a:schemeClr>
+          </a:lnRef>
+          <a:fillRef idx="1">
+            <a:schemeClr val="accent1"/>
+          </a:fillRef>
+          <a:effectRef idx="0">
+            <a:schemeClr val="accent1"/>
+          </a:effectRef>
+          <a:fontRef idx="minor">
+            <a:schemeClr val="lt1"/>
+          </a:fontRef>
+        </p:style>
+        <p:txBody>
+          <a:bodyPr rtlCol="0" anchor="ctr"/>
+          <a:lstStyle/>
+          <a:p>
+            <a:pPr algn="ctr"/>
+            <a:r>
+              <a:rPr lang="ko-KR" altLang="en-US" sz="2200" b="1" smtClean="0">
+                <a:ln w="900" cmpd="sng">
+                  <a:solidFill>
+                    <a:schemeClr val="accent1">
+                      <a:satMod val="190000"/>
+                      <a:alpha val="55000"/>
+                    </a:schemeClr>
+                  </a:solidFill>
+                  <a:prstDash val="solid"/>
+                </a:ln>
+                <a:solidFill>
+                  <a:schemeClr val="accent1">
+                    <a:satMod val="200000"/>
+                    <a:tint val="3000"/>
+                  </a:schemeClr>
+                </a:solidFill>
+                <a:effectLst>
+                  <a:glow rad="228600">
+                    <a:schemeClr val="accent3">
+                      <a:satMod val="175000"/>
+                      <a:alpha val="40000"/>
+                    </a:schemeClr>
+                  </a:glow>
+                  <a:innerShdw blurRad="101600" dist="76200" dir="5400000">
+                    <a:schemeClr val="accent1">
+                      <a:satMod val="190000"/>
+                      <a:tint val="100000"/>
+                      <a:alpha val="74000"/>
+                    </a:schemeClr>
+                  </a:innerShdw>
+                </a:effectLst>
+                <a:ea typeface="Black Han Sans" pitchFamily="2" charset="-127"/>
+              </a:rPr>
+              <a:t>입력</a:t>
+            </a:r>
+            <a:endParaRPr lang="ko-KR" altLang="en-US" sz="2200" b="1" dirty="0">
+              <a:ln w="900" cmpd="sng">
+                <a:solidFill>
+                  <a:schemeClr val="accent1">
+                    <a:satMod val="190000"/>
+                    <a:alpha val="55000"/>
+                  </a:schemeClr>
+                </a:solidFill>
+                <a:prstDash val="solid"/>
+              </a:ln>
+              <a:solidFill>
+                <a:schemeClr val="accent1">
+                  <a:satMod val="200000"/>
+                  <a:tint val="3000"/>
+                </a:schemeClr>
+              </a:solidFill>
+              <a:effectLst>
+                <a:glow rad="228600">
+                  <a:schemeClr val="accent3">
+                    <a:satMod val="175000"/>
+                    <a:alpha val="40000"/>
+                  </a:schemeClr>
+                </a:glow>
+                <a:innerShdw blurRad="101600" dist="76200" dir="5400000">
+                  <a:schemeClr val="accent1">
+                    <a:satMod val="190000"/>
+                    <a:tint val="100000"/>
+                    <a:alpha val="74000"/>
+                  </a:schemeClr>
+                </a:innerShdw>
+              </a:effectLst>
+              <a:ea typeface="Black Han Sans" pitchFamily="2" charset="-127"/>
+            </a:endParaRPr>
+          </a:p>
+        </p:txBody>
+      </p:sp>
+      <p:sp>
+        <p:nvSpPr>
+          <p:cNvPr id="14" name="직사각형 13"/>
+          <p:cNvSpPr/>
+          <p:nvPr/>
+        </p:nvSpPr>
+        <p:spPr>
+          <a:xfrm>
+            <a:off x="3960639" y="4104655"/>
+            <a:ext cx="1368152" cy="504056"/>
+          </a:xfrm>
+          <a:prstGeom prst="rect">
+            <a:avLst/>
+          </a:prstGeom>
+          <a:solidFill>
+            <a:schemeClr val="bg1">
+              <a:lumMod val="85000"/>
+            </a:schemeClr>
+          </a:solidFill>
+          <a:ln>
+            <a:noFill/>
+          </a:ln>
+          <a:scene3d>
+            <a:camera prst="orthographicFront"/>
+            <a:lightRig rig="threePt" dir="t"/>
+          </a:scene3d>
+          <a:sp3d>
+            <a:bevelT w="101600" prst="riblet"/>
+          </a:sp3d>
+        </p:spPr>
+        <p:style>
+          <a:lnRef idx="2">
+            <a:schemeClr val="accent1">
+              <a:shade val="50000"/>
+            </a:schemeClr>
+          </a:lnRef>
+          <a:fillRef idx="1">
+            <a:schemeClr val="accent1"/>
+          </a:fillRef>
+          <a:effectRef idx="0">
+            <a:schemeClr val="accent1"/>
+          </a:effectRef>
+          <a:fontRef idx="minor">
+            <a:schemeClr val="lt1"/>
+          </a:fontRef>
+        </p:style>
+        <p:txBody>
+          <a:bodyPr rtlCol="0" anchor="ctr"/>
+          <a:lstStyle/>
+          <a:p>
+            <a:pPr algn="ctr"/>
+            <a:r>
+              <a:rPr lang="ko-KR" altLang="en-US" sz="2200" b="1" dirty="0" smtClean="0">
+                <a:ln w="900" cmpd="sng">
+                  <a:solidFill>
+                    <a:schemeClr val="accent1">
+                      <a:satMod val="190000"/>
+                      <a:alpha val="55000"/>
+                    </a:schemeClr>
+                  </a:solidFill>
+                  <a:prstDash val="solid"/>
+                </a:ln>
+                <a:solidFill>
+                  <a:schemeClr val="accent1">
+                    <a:satMod val="200000"/>
+                    <a:tint val="3000"/>
+                  </a:schemeClr>
+                </a:solidFill>
+                <a:effectLst>
+                  <a:glow rad="228600">
+                    <a:schemeClr val="accent3">
+                      <a:satMod val="175000"/>
+                      <a:alpha val="40000"/>
+                    </a:schemeClr>
+                  </a:glow>
+                  <a:innerShdw blurRad="101600" dist="76200" dir="5400000">
+                    <a:schemeClr val="accent1">
+                      <a:satMod val="190000"/>
+                      <a:tint val="100000"/>
+                      <a:alpha val="74000"/>
+                    </a:schemeClr>
+                  </a:innerShdw>
+                </a:effectLst>
+                <a:ea typeface="Black Han Sans" pitchFamily="2" charset="-127"/>
+              </a:rPr>
+              <a:t>입력</a:t>
+            </a:r>
+            <a:endParaRPr lang="ko-KR" altLang="en-US" sz="2200" b="1" dirty="0">
+              <a:ln w="900" cmpd="sng">
+                <a:solidFill>
+                  <a:schemeClr val="accent1">
+                    <a:satMod val="190000"/>
+                    <a:alpha val="55000"/>
+                  </a:schemeClr>
+                </a:solidFill>
+                <a:prstDash val="solid"/>
+              </a:ln>
+              <a:solidFill>
+                <a:schemeClr val="accent1">
+                  <a:satMod val="200000"/>
+                  <a:tint val="3000"/>
+                </a:schemeClr>
+              </a:solidFill>
+              <a:effectLst>
+                <a:glow rad="228600">
+                  <a:schemeClr val="accent3">
+                    <a:satMod val="175000"/>
+                    <a:alpha val="40000"/>
+                  </a:schemeClr>
+                </a:glow>
+                <a:innerShdw blurRad="101600" dist="76200" dir="5400000">
+                  <a:schemeClr val="accent1">
+                    <a:satMod val="190000"/>
+                    <a:tint val="100000"/>
+                    <a:alpha val="74000"/>
+                  </a:schemeClr>
+                </a:innerShdw>
+              </a:effectLst>
+              <a:ea typeface="Black Han Sans" pitchFamily="2" charset="-127"/>
+            </a:endParaRPr>
+          </a:p>
+        </p:txBody>
+      </p:sp>
+      <p:sp>
+        <p:nvSpPr>
+          <p:cNvPr id="17" name="직사각형 16"/>
+          <p:cNvSpPr/>
+          <p:nvPr/>
+        </p:nvSpPr>
+        <p:spPr>
+          <a:xfrm>
+            <a:off x="1800399" y="4968751"/>
+            <a:ext cx="2016224" cy="504056"/>
+          </a:xfrm>
+          <a:prstGeom prst="rect">
+            <a:avLst/>
+          </a:prstGeom>
+          <a:solidFill>
+            <a:schemeClr val="accent5">
+              <a:lumMod val="60000"/>
+              <a:lumOff val="40000"/>
+            </a:schemeClr>
+          </a:solidFill>
+          <a:ln>
+            <a:noFill/>
+          </a:ln>
+          <a:scene3d>
+            <a:camera prst="orthographicFront"/>
+            <a:lightRig rig="threePt" dir="t"/>
+          </a:scene3d>
+          <a:sp3d>
+            <a:bevelT prst="angle"/>
+          </a:sp3d>
+        </p:spPr>
+        <p:style>
+          <a:lnRef idx="2">
+            <a:schemeClr val="accent1">
+              <a:shade val="50000"/>
+            </a:schemeClr>
+          </a:lnRef>
+          <a:fillRef idx="1">
+            <a:schemeClr val="accent1"/>
+          </a:fillRef>
+          <a:effectRef idx="0">
+            <a:schemeClr val="accent1"/>
+          </a:effectRef>
+          <a:fontRef idx="minor">
+            <a:schemeClr val="lt1"/>
+          </a:fontRef>
+        </p:style>
+        <p:txBody>
+          <a:bodyPr rtlCol="0" anchor="ctr"/>
+          <a:lstStyle/>
+          <a:p>
+            <a:pPr algn="ctr"/>
+            <a:r>
+              <a:rPr lang="ko-KR" altLang="en-US" sz="2200" b="1" dirty="0" smtClean="0">
+                <a:ln w="12700">
+                  <a:solidFill>
+                    <a:schemeClr val="tx2">
+                      <a:satMod val="155000"/>
+                    </a:schemeClr>
+                  </a:solidFill>
+                  <a:prstDash val="solid"/>
+                </a:ln>
+                <a:solidFill>
+                  <a:schemeClr val="bg2">
+                    <a:tint val="85000"/>
+                    <a:satMod val="155000"/>
+                  </a:schemeClr>
+                </a:solidFill>
+                <a:effectLst>
+                  <a:glow rad="139700">
+                    <a:schemeClr val="accent3">
+                      <a:satMod val="175000"/>
+                      <a:alpha val="40000"/>
+                    </a:schemeClr>
+                  </a:glow>
+                  <a:outerShdw blurRad="41275" dist="20320" dir="1800000" algn="tl" rotWithShape="0">
+                    <a:srgbClr val="000000">
+                      <a:alpha val="40000"/>
+                    </a:srgbClr>
+                  </a:outerShdw>
+                </a:effectLst>
+                <a:latin typeface="배달의민족 을지로체 TTF" pitchFamily="50" charset="-127"/>
+                <a:ea typeface="배달의민족 을지로체 TTF" pitchFamily="50" charset="-127"/>
+              </a:rPr>
+              <a:t>다시 입력하기</a:t>
+            </a:r>
+            <a:endParaRPr lang="ko-KR" altLang="en-US" sz="2200" b="1" dirty="0">
+              <a:ln w="12700">
+                <a:solidFill>
+                  <a:schemeClr val="tx2">
+                    <a:satMod val="155000"/>
+                  </a:schemeClr>
+                </a:solidFill>
+                <a:prstDash val="solid"/>
+              </a:ln>
+              <a:solidFill>
+                <a:schemeClr val="bg2">
+                  <a:tint val="85000"/>
+                  <a:satMod val="155000"/>
+                </a:schemeClr>
+              </a:solidFill>
+              <a:effectLst>
+                <a:glow rad="139700">
+                  <a:schemeClr val="accent3">
+                    <a:satMod val="175000"/>
+                    <a:alpha val="40000"/>
+                  </a:schemeClr>
+                </a:glow>
+                <a:outerShdw blurRad="41275" dist="20320" dir="1800000" algn="tl" rotWithShape="0">
+                  <a:srgbClr val="000000">
+                    <a:alpha val="40000"/>
+                  </a:srgbClr>
+                </a:outerShdw>
+              </a:effectLst>
+              <a:latin typeface="배달의민족 을지로체 TTF" pitchFamily="50" charset="-127"/>
+              <a:ea typeface="배달의민족 을지로체 TTF" pitchFamily="50" charset="-127"/>
+            </a:endParaRPr>
           </a:p>
         </p:txBody>
       </p:sp>
